--- a/figures/Fig3-1b-procedures.pptx
+++ b/figures/Fig3-1b-procedures.pptx
@@ -2,12 +2,12 @@
 <file path=ppt/presentation.xml><?xml version="1.0" encoding="utf-8"?>
 <p:presentation xmlns:a="http://schemas.openxmlformats.org/drawingml/2006/main" xmlns:r="http://schemas.openxmlformats.org/officeDocument/2006/relationships" xmlns:p="http://schemas.openxmlformats.org/presentationml/2006/main" saveSubsetFonts="1" autoCompressPictures="0">
   <p:sldMasterIdLst>
-    <p:sldMasterId id="2147483804" r:id="rId1"/>
+    <p:sldMasterId id="2147483816" r:id="rId1"/>
   </p:sldMasterIdLst>
   <p:sldIdLst>
     <p:sldId id="260" r:id="rId2"/>
   </p:sldIdLst>
-  <p:sldSz cx="5713413" cy="7218363"/>
+  <p:sldSz cx="4273550" cy="7218363"/>
   <p:notesSz cx="6858000" cy="9144000"/>
   <p:defaultTextStyle>
     <a:defPPr>
@@ -141,15 +141,15 @@
         </p:nvSpPr>
         <p:spPr>
           <a:xfrm>
-            <a:off x="428506" y="1181339"/>
-            <a:ext cx="4856401" cy="2513060"/>
+            <a:off x="320516" y="1181339"/>
+            <a:ext cx="3632518" cy="2513060"/>
           </a:xfrm>
         </p:spPr>
         <p:txBody>
           <a:bodyPr anchor="b"/>
           <a:lstStyle>
             <a:lvl1pPr algn="ctr">
-              <a:defRPr sz="3749"/>
+              <a:defRPr sz="2804"/>
             </a:lvl1pPr>
           </a:lstStyle>
           <a:p>
@@ -173,8 +173,8 @@
         </p:nvSpPr>
         <p:spPr>
           <a:xfrm>
-            <a:off x="714177" y="3791312"/>
-            <a:ext cx="4285060" cy="1742766"/>
+            <a:off x="534194" y="3791312"/>
+            <a:ext cx="3205163" cy="1742766"/>
           </a:xfrm>
         </p:spPr>
         <p:txBody>
@@ -182,39 +182,39 @@
           <a:lstStyle>
             <a:lvl1pPr marL="0" indent="0" algn="ctr">
               <a:buNone/>
-              <a:defRPr sz="1500"/>
+              <a:defRPr sz="1122"/>
             </a:lvl1pPr>
-            <a:lvl2pPr marL="285659" indent="0" algn="ctr">
+            <a:lvl2pPr marL="213695" indent="0" algn="ctr">
               <a:buNone/>
-              <a:defRPr sz="1250"/>
+              <a:defRPr sz="935"/>
             </a:lvl2pPr>
-            <a:lvl3pPr marL="571317" indent="0" algn="ctr">
+            <a:lvl3pPr marL="427391" indent="0" algn="ctr">
               <a:buNone/>
-              <a:defRPr sz="1125"/>
+              <a:defRPr sz="841"/>
             </a:lvl3pPr>
-            <a:lvl4pPr marL="856976" indent="0" algn="ctr">
+            <a:lvl4pPr marL="641086" indent="0" algn="ctr">
               <a:buNone/>
-              <a:defRPr sz="1000"/>
+              <a:defRPr sz="748"/>
             </a:lvl4pPr>
-            <a:lvl5pPr marL="1142634" indent="0" algn="ctr">
+            <a:lvl5pPr marL="854781" indent="0" algn="ctr">
               <a:buNone/>
-              <a:defRPr sz="1000"/>
+              <a:defRPr sz="748"/>
             </a:lvl5pPr>
-            <a:lvl6pPr marL="1428293" indent="0" algn="ctr">
+            <a:lvl6pPr marL="1068476" indent="0" algn="ctr">
               <a:buNone/>
-              <a:defRPr sz="1000"/>
+              <a:defRPr sz="748"/>
             </a:lvl6pPr>
-            <a:lvl7pPr marL="1713951" indent="0" algn="ctr">
+            <a:lvl7pPr marL="1282172" indent="0" algn="ctr">
               <a:buNone/>
-              <a:defRPr sz="1000"/>
+              <a:defRPr sz="748"/>
             </a:lvl7pPr>
-            <a:lvl8pPr marL="1999610" indent="0" algn="ctr">
+            <a:lvl8pPr marL="1495867" indent="0" algn="ctr">
               <a:buNone/>
-              <a:defRPr sz="1000"/>
+              <a:defRPr sz="748"/>
             </a:lvl8pPr>
-            <a:lvl9pPr marL="2285268" indent="0" algn="ctr">
+            <a:lvl9pPr marL="1709562" indent="0" algn="ctr">
               <a:buNone/>
-              <a:defRPr sz="1000"/>
+              <a:defRPr sz="748"/>
             </a:lvl9pPr>
           </a:lstStyle>
           <a:p>
@@ -243,7 +243,7 @@
           <a:p>
             <a:fld id="{566289E1-A2B3-9A4F-A33A-EC602EAC15A8}" type="datetimeFigureOut">
               <a:rPr kumimoji="1" lang="zh-CN" altLang="en-US" smtClean="0"/>
-              <a:t>2023/3/19</a:t>
+              <a:t>2023/4/10</a:t>
             </a:fld>
             <a:endParaRPr kumimoji="1" lang="zh-CN" altLang="en-US"/>
           </a:p>
@@ -294,7 +294,7 @@
     </p:spTree>
     <p:extLst>
       <p:ext uri="{BB962C8B-B14F-4D97-AF65-F5344CB8AC3E}">
-        <p14:creationId xmlns:p14="http://schemas.microsoft.com/office/powerpoint/2010/main" val="1702660367"/>
+        <p14:creationId xmlns:p14="http://schemas.microsoft.com/office/powerpoint/2010/main" val="3998406831"/>
       </p:ext>
     </p:extLst>
   </p:cSld>
@@ -413,7 +413,7 @@
           <a:p>
             <a:fld id="{566289E1-A2B3-9A4F-A33A-EC602EAC15A8}" type="datetimeFigureOut">
               <a:rPr kumimoji="1" lang="zh-CN" altLang="en-US" smtClean="0"/>
-              <a:t>2023/3/19</a:t>
+              <a:t>2023/4/10</a:t>
             </a:fld>
             <a:endParaRPr kumimoji="1" lang="zh-CN" altLang="en-US"/>
           </a:p>
@@ -464,7 +464,7 @@
     </p:spTree>
     <p:extLst>
       <p:ext uri="{BB962C8B-B14F-4D97-AF65-F5344CB8AC3E}">
-        <p14:creationId xmlns:p14="http://schemas.microsoft.com/office/powerpoint/2010/main" val="3216494073"/>
+        <p14:creationId xmlns:p14="http://schemas.microsoft.com/office/powerpoint/2010/main" val="1218248451"/>
       </p:ext>
     </p:extLst>
   </p:cSld>
@@ -503,8 +503,8 @@
         </p:nvSpPr>
         <p:spPr>
           <a:xfrm>
-            <a:off x="4088661" y="384311"/>
-            <a:ext cx="1231955" cy="6117229"/>
+            <a:off x="3058260" y="384311"/>
+            <a:ext cx="921484" cy="6117229"/>
           </a:xfrm>
         </p:spPr>
         <p:txBody>
@@ -531,8 +531,8 @@
         </p:nvSpPr>
         <p:spPr>
           <a:xfrm>
-            <a:off x="392798" y="384311"/>
-            <a:ext cx="3624446" cy="6117229"/>
+            <a:off x="293807" y="384311"/>
+            <a:ext cx="2711033" cy="6117229"/>
           </a:xfrm>
         </p:spPr>
         <p:txBody>
@@ -593,7 +593,7 @@
           <a:p>
             <a:fld id="{566289E1-A2B3-9A4F-A33A-EC602EAC15A8}" type="datetimeFigureOut">
               <a:rPr kumimoji="1" lang="zh-CN" altLang="en-US" smtClean="0"/>
-              <a:t>2023/3/19</a:t>
+              <a:t>2023/4/10</a:t>
             </a:fld>
             <a:endParaRPr kumimoji="1" lang="zh-CN" altLang="en-US"/>
           </a:p>
@@ -644,7 +644,7 @@
     </p:spTree>
     <p:extLst>
       <p:ext uri="{BB962C8B-B14F-4D97-AF65-F5344CB8AC3E}">
-        <p14:creationId xmlns:p14="http://schemas.microsoft.com/office/powerpoint/2010/main" val="3561610537"/>
+        <p14:creationId xmlns:p14="http://schemas.microsoft.com/office/powerpoint/2010/main" val="3166278696"/>
       </p:ext>
     </p:extLst>
   </p:cSld>
@@ -763,7 +763,7 @@
           <a:p>
             <a:fld id="{566289E1-A2B3-9A4F-A33A-EC602EAC15A8}" type="datetimeFigureOut">
               <a:rPr kumimoji="1" lang="zh-CN" altLang="en-US" smtClean="0"/>
-              <a:t>2023/3/19</a:t>
+              <a:t>2023/4/10</a:t>
             </a:fld>
             <a:endParaRPr kumimoji="1" lang="zh-CN" altLang="en-US"/>
           </a:p>
@@ -814,7 +814,7 @@
     </p:spTree>
     <p:extLst>
       <p:ext uri="{BB962C8B-B14F-4D97-AF65-F5344CB8AC3E}">
-        <p14:creationId xmlns:p14="http://schemas.microsoft.com/office/powerpoint/2010/main" val="296609333"/>
+        <p14:creationId xmlns:p14="http://schemas.microsoft.com/office/powerpoint/2010/main" val="237414145"/>
       </p:ext>
     </p:extLst>
   </p:cSld>
@@ -853,15 +853,15 @@
         </p:nvSpPr>
         <p:spPr>
           <a:xfrm>
-            <a:off x="389822" y="1799580"/>
-            <a:ext cx="4927819" cy="3002638"/>
+            <a:off x="291581" y="1799580"/>
+            <a:ext cx="3685937" cy="3002638"/>
           </a:xfrm>
         </p:spPr>
         <p:txBody>
           <a:bodyPr anchor="b"/>
           <a:lstStyle>
             <a:lvl1pPr>
-              <a:defRPr sz="3749"/>
+              <a:defRPr sz="2804"/>
             </a:lvl1pPr>
           </a:lstStyle>
           <a:p>
@@ -885,8 +885,8 @@
         </p:nvSpPr>
         <p:spPr>
           <a:xfrm>
-            <a:off x="389822" y="4830624"/>
-            <a:ext cx="4927819" cy="1579016"/>
+            <a:off x="291581" y="4830624"/>
+            <a:ext cx="3685937" cy="1579016"/>
           </a:xfrm>
         </p:spPr>
         <p:txBody>
@@ -894,15 +894,15 @@
           <a:lstStyle>
             <a:lvl1pPr marL="0" indent="0">
               <a:buNone/>
-              <a:defRPr sz="1500">
+              <a:defRPr sz="1122">
                 <a:solidFill>
                   <a:schemeClr val="tx1"/>
                 </a:solidFill>
               </a:defRPr>
             </a:lvl1pPr>
-            <a:lvl2pPr marL="285659" indent="0">
+            <a:lvl2pPr marL="213695" indent="0">
               <a:buNone/>
-              <a:defRPr sz="1250">
+              <a:defRPr sz="935">
                 <a:solidFill>
                   <a:schemeClr val="tx1">
                     <a:tint val="75000"/>
@@ -910,9 +910,9 @@
                 </a:solidFill>
               </a:defRPr>
             </a:lvl2pPr>
-            <a:lvl3pPr marL="571317" indent="0">
+            <a:lvl3pPr marL="427391" indent="0">
               <a:buNone/>
-              <a:defRPr sz="1125">
+              <a:defRPr sz="841">
                 <a:solidFill>
                   <a:schemeClr val="tx1">
                     <a:tint val="75000"/>
@@ -920,9 +920,9 @@
                 </a:solidFill>
               </a:defRPr>
             </a:lvl3pPr>
-            <a:lvl4pPr marL="856976" indent="0">
+            <a:lvl4pPr marL="641086" indent="0">
               <a:buNone/>
-              <a:defRPr sz="1000">
+              <a:defRPr sz="748">
                 <a:solidFill>
                   <a:schemeClr val="tx1">
                     <a:tint val="75000"/>
@@ -930,9 +930,9 @@
                 </a:solidFill>
               </a:defRPr>
             </a:lvl4pPr>
-            <a:lvl5pPr marL="1142634" indent="0">
+            <a:lvl5pPr marL="854781" indent="0">
               <a:buNone/>
-              <a:defRPr sz="1000">
+              <a:defRPr sz="748">
                 <a:solidFill>
                   <a:schemeClr val="tx1">
                     <a:tint val="75000"/>
@@ -940,9 +940,9 @@
                 </a:solidFill>
               </a:defRPr>
             </a:lvl5pPr>
-            <a:lvl6pPr marL="1428293" indent="0">
+            <a:lvl6pPr marL="1068476" indent="0">
               <a:buNone/>
-              <a:defRPr sz="1000">
+              <a:defRPr sz="748">
                 <a:solidFill>
                   <a:schemeClr val="tx1">
                     <a:tint val="75000"/>
@@ -950,9 +950,9 @@
                 </a:solidFill>
               </a:defRPr>
             </a:lvl6pPr>
-            <a:lvl7pPr marL="1713951" indent="0">
+            <a:lvl7pPr marL="1282172" indent="0">
               <a:buNone/>
-              <a:defRPr sz="1000">
+              <a:defRPr sz="748">
                 <a:solidFill>
                   <a:schemeClr val="tx1">
                     <a:tint val="75000"/>
@@ -960,9 +960,9 @@
                 </a:solidFill>
               </a:defRPr>
             </a:lvl7pPr>
-            <a:lvl8pPr marL="1999610" indent="0">
+            <a:lvl8pPr marL="1495867" indent="0">
               <a:buNone/>
-              <a:defRPr sz="1000">
+              <a:defRPr sz="748">
                 <a:solidFill>
                   <a:schemeClr val="tx1">
                     <a:tint val="75000"/>
@@ -970,9 +970,9 @@
                 </a:solidFill>
               </a:defRPr>
             </a:lvl8pPr>
-            <a:lvl9pPr marL="2285268" indent="0">
+            <a:lvl9pPr marL="1709562" indent="0">
               <a:buNone/>
-              <a:defRPr sz="1000">
+              <a:defRPr sz="748">
                 <a:solidFill>
                   <a:schemeClr val="tx1">
                     <a:tint val="75000"/>
@@ -1007,7 +1007,7 @@
           <a:p>
             <a:fld id="{566289E1-A2B3-9A4F-A33A-EC602EAC15A8}" type="datetimeFigureOut">
               <a:rPr kumimoji="1" lang="zh-CN" altLang="en-US" smtClean="0"/>
-              <a:t>2023/3/19</a:t>
+              <a:t>2023/4/10</a:t>
             </a:fld>
             <a:endParaRPr kumimoji="1" lang="zh-CN" altLang="en-US"/>
           </a:p>
@@ -1058,7 +1058,7 @@
     </p:spTree>
     <p:extLst>
       <p:ext uri="{BB962C8B-B14F-4D97-AF65-F5344CB8AC3E}">
-        <p14:creationId xmlns:p14="http://schemas.microsoft.com/office/powerpoint/2010/main" val="3066126094"/>
+        <p14:creationId xmlns:p14="http://schemas.microsoft.com/office/powerpoint/2010/main" val="1700230077"/>
       </p:ext>
     </p:extLst>
   </p:cSld>
@@ -1120,8 +1120,8 @@
         </p:nvSpPr>
         <p:spPr>
           <a:xfrm>
-            <a:off x="392797" y="1921555"/>
-            <a:ext cx="2428201" cy="4579985"/>
+            <a:off x="293806" y="1921555"/>
+            <a:ext cx="1816259" cy="4579985"/>
           </a:xfrm>
         </p:spPr>
         <p:txBody>
@@ -1177,8 +1177,8 @@
         </p:nvSpPr>
         <p:spPr>
           <a:xfrm>
-            <a:off x="2892415" y="1921555"/>
-            <a:ext cx="2428201" cy="4579985"/>
+            <a:off x="2163485" y="1921555"/>
+            <a:ext cx="1816259" cy="4579985"/>
           </a:xfrm>
         </p:spPr>
         <p:txBody>
@@ -1239,7 +1239,7 @@
           <a:p>
             <a:fld id="{566289E1-A2B3-9A4F-A33A-EC602EAC15A8}" type="datetimeFigureOut">
               <a:rPr kumimoji="1" lang="zh-CN" altLang="en-US" smtClean="0"/>
-              <a:t>2023/3/19</a:t>
+              <a:t>2023/4/10</a:t>
             </a:fld>
             <a:endParaRPr kumimoji="1" lang="zh-CN" altLang="en-US"/>
           </a:p>
@@ -1290,7 +1290,7 @@
     </p:spTree>
     <p:extLst>
       <p:ext uri="{BB962C8B-B14F-4D97-AF65-F5344CB8AC3E}">
-        <p14:creationId xmlns:p14="http://schemas.microsoft.com/office/powerpoint/2010/main" val="1154512233"/>
+        <p14:creationId xmlns:p14="http://schemas.microsoft.com/office/powerpoint/2010/main" val="677760110"/>
       </p:ext>
     </p:extLst>
   </p:cSld>
@@ -1329,8 +1329,8 @@
         </p:nvSpPr>
         <p:spPr>
           <a:xfrm>
-            <a:off x="393541" y="384312"/>
-            <a:ext cx="4927819" cy="1395217"/>
+            <a:off x="294363" y="384312"/>
+            <a:ext cx="3685937" cy="1395217"/>
           </a:xfrm>
         </p:spPr>
         <p:txBody>
@@ -1357,8 +1357,8 @@
         </p:nvSpPr>
         <p:spPr>
           <a:xfrm>
-            <a:off x="393542" y="1769502"/>
-            <a:ext cx="2417041" cy="867206"/>
+            <a:off x="294363" y="1769502"/>
+            <a:ext cx="1807912" cy="867206"/>
           </a:xfrm>
         </p:spPr>
         <p:txBody>
@@ -1366,39 +1366,39 @@
           <a:lstStyle>
             <a:lvl1pPr marL="0" indent="0">
               <a:buNone/>
-              <a:defRPr sz="1500" b="1"/>
+              <a:defRPr sz="1122" b="1"/>
             </a:lvl1pPr>
-            <a:lvl2pPr marL="285659" indent="0">
+            <a:lvl2pPr marL="213695" indent="0">
               <a:buNone/>
-              <a:defRPr sz="1250" b="1"/>
+              <a:defRPr sz="935" b="1"/>
             </a:lvl2pPr>
-            <a:lvl3pPr marL="571317" indent="0">
+            <a:lvl3pPr marL="427391" indent="0">
               <a:buNone/>
-              <a:defRPr sz="1125" b="1"/>
+              <a:defRPr sz="841" b="1"/>
             </a:lvl3pPr>
-            <a:lvl4pPr marL="856976" indent="0">
+            <a:lvl4pPr marL="641086" indent="0">
               <a:buNone/>
-              <a:defRPr sz="1000" b="1"/>
+              <a:defRPr sz="748" b="1"/>
             </a:lvl4pPr>
-            <a:lvl5pPr marL="1142634" indent="0">
+            <a:lvl5pPr marL="854781" indent="0">
               <a:buNone/>
-              <a:defRPr sz="1000" b="1"/>
+              <a:defRPr sz="748" b="1"/>
             </a:lvl5pPr>
-            <a:lvl6pPr marL="1428293" indent="0">
+            <a:lvl6pPr marL="1068476" indent="0">
               <a:buNone/>
-              <a:defRPr sz="1000" b="1"/>
+              <a:defRPr sz="748" b="1"/>
             </a:lvl6pPr>
-            <a:lvl7pPr marL="1713951" indent="0">
+            <a:lvl7pPr marL="1282172" indent="0">
               <a:buNone/>
-              <a:defRPr sz="1000" b="1"/>
+              <a:defRPr sz="748" b="1"/>
             </a:lvl7pPr>
-            <a:lvl8pPr marL="1999610" indent="0">
+            <a:lvl8pPr marL="1495867" indent="0">
               <a:buNone/>
-              <a:defRPr sz="1000" b="1"/>
+              <a:defRPr sz="748" b="1"/>
             </a:lvl8pPr>
-            <a:lvl9pPr marL="2285268" indent="0">
+            <a:lvl9pPr marL="1709562" indent="0">
               <a:buNone/>
-              <a:defRPr sz="1000" b="1"/>
+              <a:defRPr sz="748" b="1"/>
             </a:lvl9pPr>
           </a:lstStyle>
           <a:p>
@@ -1422,8 +1422,8 @@
         </p:nvSpPr>
         <p:spPr>
           <a:xfrm>
-            <a:off x="393542" y="2636707"/>
-            <a:ext cx="2417041" cy="3878200"/>
+            <a:off x="294363" y="2636707"/>
+            <a:ext cx="1807912" cy="3878200"/>
           </a:xfrm>
         </p:spPr>
         <p:txBody>
@@ -1479,8 +1479,8 @@
         </p:nvSpPr>
         <p:spPr>
           <a:xfrm>
-            <a:off x="2892415" y="1769502"/>
-            <a:ext cx="2428945" cy="867206"/>
+            <a:off x="2163485" y="1769502"/>
+            <a:ext cx="1816815" cy="867206"/>
           </a:xfrm>
         </p:spPr>
         <p:txBody>
@@ -1488,39 +1488,39 @@
           <a:lstStyle>
             <a:lvl1pPr marL="0" indent="0">
               <a:buNone/>
-              <a:defRPr sz="1500" b="1"/>
+              <a:defRPr sz="1122" b="1"/>
             </a:lvl1pPr>
-            <a:lvl2pPr marL="285659" indent="0">
+            <a:lvl2pPr marL="213695" indent="0">
               <a:buNone/>
-              <a:defRPr sz="1250" b="1"/>
+              <a:defRPr sz="935" b="1"/>
             </a:lvl2pPr>
-            <a:lvl3pPr marL="571317" indent="0">
+            <a:lvl3pPr marL="427391" indent="0">
               <a:buNone/>
-              <a:defRPr sz="1125" b="1"/>
+              <a:defRPr sz="841" b="1"/>
             </a:lvl3pPr>
-            <a:lvl4pPr marL="856976" indent="0">
+            <a:lvl4pPr marL="641086" indent="0">
               <a:buNone/>
-              <a:defRPr sz="1000" b="1"/>
+              <a:defRPr sz="748" b="1"/>
             </a:lvl4pPr>
-            <a:lvl5pPr marL="1142634" indent="0">
+            <a:lvl5pPr marL="854781" indent="0">
               <a:buNone/>
-              <a:defRPr sz="1000" b="1"/>
+              <a:defRPr sz="748" b="1"/>
             </a:lvl5pPr>
-            <a:lvl6pPr marL="1428293" indent="0">
+            <a:lvl6pPr marL="1068476" indent="0">
               <a:buNone/>
-              <a:defRPr sz="1000" b="1"/>
+              <a:defRPr sz="748" b="1"/>
             </a:lvl6pPr>
-            <a:lvl7pPr marL="1713951" indent="0">
+            <a:lvl7pPr marL="1282172" indent="0">
               <a:buNone/>
-              <a:defRPr sz="1000" b="1"/>
+              <a:defRPr sz="748" b="1"/>
             </a:lvl7pPr>
-            <a:lvl8pPr marL="1999610" indent="0">
+            <a:lvl8pPr marL="1495867" indent="0">
               <a:buNone/>
-              <a:defRPr sz="1000" b="1"/>
+              <a:defRPr sz="748" b="1"/>
             </a:lvl8pPr>
-            <a:lvl9pPr marL="2285268" indent="0">
+            <a:lvl9pPr marL="1709562" indent="0">
               <a:buNone/>
-              <a:defRPr sz="1000" b="1"/>
+              <a:defRPr sz="748" b="1"/>
             </a:lvl9pPr>
           </a:lstStyle>
           <a:p>
@@ -1544,8 +1544,8 @@
         </p:nvSpPr>
         <p:spPr>
           <a:xfrm>
-            <a:off x="2892415" y="2636707"/>
-            <a:ext cx="2428945" cy="3878200"/>
+            <a:off x="2163485" y="2636707"/>
+            <a:ext cx="1816815" cy="3878200"/>
           </a:xfrm>
         </p:spPr>
         <p:txBody>
@@ -1606,7 +1606,7 @@
           <a:p>
             <a:fld id="{566289E1-A2B3-9A4F-A33A-EC602EAC15A8}" type="datetimeFigureOut">
               <a:rPr kumimoji="1" lang="zh-CN" altLang="en-US" smtClean="0"/>
-              <a:t>2023/3/19</a:t>
+              <a:t>2023/4/10</a:t>
             </a:fld>
             <a:endParaRPr kumimoji="1" lang="zh-CN" altLang="en-US"/>
           </a:p>
@@ -1657,7 +1657,7 @@
     </p:spTree>
     <p:extLst>
       <p:ext uri="{BB962C8B-B14F-4D97-AF65-F5344CB8AC3E}">
-        <p14:creationId xmlns:p14="http://schemas.microsoft.com/office/powerpoint/2010/main" val="3589897885"/>
+        <p14:creationId xmlns:p14="http://schemas.microsoft.com/office/powerpoint/2010/main" val="2364470409"/>
       </p:ext>
     </p:extLst>
   </p:cSld>
@@ -1724,7 +1724,7 @@
           <a:p>
             <a:fld id="{566289E1-A2B3-9A4F-A33A-EC602EAC15A8}" type="datetimeFigureOut">
               <a:rPr kumimoji="1" lang="zh-CN" altLang="en-US" smtClean="0"/>
-              <a:t>2023/3/19</a:t>
+              <a:t>2023/4/10</a:t>
             </a:fld>
             <a:endParaRPr kumimoji="1" lang="zh-CN" altLang="en-US"/>
           </a:p>
@@ -1775,7 +1775,7 @@
     </p:spTree>
     <p:extLst>
       <p:ext uri="{BB962C8B-B14F-4D97-AF65-F5344CB8AC3E}">
-        <p14:creationId xmlns:p14="http://schemas.microsoft.com/office/powerpoint/2010/main" val="2244022281"/>
+        <p14:creationId xmlns:p14="http://schemas.microsoft.com/office/powerpoint/2010/main" val="714940916"/>
       </p:ext>
     </p:extLst>
   </p:cSld>
@@ -1819,7 +1819,7 @@
           <a:p>
             <a:fld id="{566289E1-A2B3-9A4F-A33A-EC602EAC15A8}" type="datetimeFigureOut">
               <a:rPr kumimoji="1" lang="zh-CN" altLang="en-US" smtClean="0"/>
-              <a:t>2023/3/19</a:t>
+              <a:t>2023/4/10</a:t>
             </a:fld>
             <a:endParaRPr kumimoji="1" lang="zh-CN" altLang="en-US"/>
           </a:p>
@@ -1870,7 +1870,7 @@
     </p:spTree>
     <p:extLst>
       <p:ext uri="{BB962C8B-B14F-4D97-AF65-F5344CB8AC3E}">
-        <p14:creationId xmlns:p14="http://schemas.microsoft.com/office/powerpoint/2010/main" val="3079860083"/>
+        <p14:creationId xmlns:p14="http://schemas.microsoft.com/office/powerpoint/2010/main" val="2464135820"/>
       </p:ext>
     </p:extLst>
   </p:cSld>
@@ -1909,15 +1909,15 @@
         </p:nvSpPr>
         <p:spPr>
           <a:xfrm>
-            <a:off x="393542" y="481224"/>
-            <a:ext cx="1842724" cy="1684285"/>
+            <a:off x="294363" y="481224"/>
+            <a:ext cx="1378331" cy="1684285"/>
           </a:xfrm>
         </p:spPr>
         <p:txBody>
           <a:bodyPr anchor="b"/>
           <a:lstStyle>
             <a:lvl1pPr>
-              <a:defRPr sz="1999"/>
+              <a:defRPr sz="1496"/>
             </a:lvl1pPr>
           </a:lstStyle>
           <a:p>
@@ -1941,39 +1941,39 @@
         </p:nvSpPr>
         <p:spPr>
           <a:xfrm>
-            <a:off x="2428945" y="1039312"/>
-            <a:ext cx="2892415" cy="5129716"/>
+            <a:off x="1816815" y="1039312"/>
+            <a:ext cx="2163485" cy="5129716"/>
           </a:xfrm>
         </p:spPr>
         <p:txBody>
           <a:bodyPr/>
           <a:lstStyle>
             <a:lvl1pPr>
-              <a:defRPr sz="1999"/>
+              <a:defRPr sz="1496"/>
             </a:lvl1pPr>
             <a:lvl2pPr>
-              <a:defRPr sz="1749"/>
+              <a:defRPr sz="1309"/>
             </a:lvl2pPr>
             <a:lvl3pPr>
-              <a:defRPr sz="1500"/>
+              <a:defRPr sz="1122"/>
             </a:lvl3pPr>
             <a:lvl4pPr>
-              <a:defRPr sz="1250"/>
+              <a:defRPr sz="935"/>
             </a:lvl4pPr>
             <a:lvl5pPr>
-              <a:defRPr sz="1250"/>
+              <a:defRPr sz="935"/>
             </a:lvl5pPr>
             <a:lvl6pPr>
-              <a:defRPr sz="1250"/>
+              <a:defRPr sz="935"/>
             </a:lvl6pPr>
             <a:lvl7pPr>
-              <a:defRPr sz="1250"/>
+              <a:defRPr sz="935"/>
             </a:lvl7pPr>
             <a:lvl8pPr>
-              <a:defRPr sz="1250"/>
+              <a:defRPr sz="935"/>
             </a:lvl8pPr>
             <a:lvl9pPr>
-              <a:defRPr sz="1250"/>
+              <a:defRPr sz="935"/>
             </a:lvl9pPr>
           </a:lstStyle>
           <a:p>
@@ -2026,8 +2026,8 @@
         </p:nvSpPr>
         <p:spPr>
           <a:xfrm>
-            <a:off x="393542" y="2165509"/>
-            <a:ext cx="1842724" cy="4011873"/>
+            <a:off x="294363" y="2165509"/>
+            <a:ext cx="1378331" cy="4011873"/>
           </a:xfrm>
         </p:spPr>
         <p:txBody>
@@ -2035,39 +2035,39 @@
           <a:lstStyle>
             <a:lvl1pPr marL="0" indent="0">
               <a:buNone/>
-              <a:defRPr sz="1000"/>
+              <a:defRPr sz="748"/>
             </a:lvl1pPr>
-            <a:lvl2pPr marL="285659" indent="0">
+            <a:lvl2pPr marL="213695" indent="0">
               <a:buNone/>
-              <a:defRPr sz="875"/>
+              <a:defRPr sz="654"/>
             </a:lvl2pPr>
-            <a:lvl3pPr marL="571317" indent="0">
+            <a:lvl3pPr marL="427391" indent="0">
               <a:buNone/>
-              <a:defRPr sz="750"/>
+              <a:defRPr sz="561"/>
             </a:lvl3pPr>
-            <a:lvl4pPr marL="856976" indent="0">
+            <a:lvl4pPr marL="641086" indent="0">
               <a:buNone/>
-              <a:defRPr sz="625"/>
+              <a:defRPr sz="467"/>
             </a:lvl4pPr>
-            <a:lvl5pPr marL="1142634" indent="0">
+            <a:lvl5pPr marL="854781" indent="0">
               <a:buNone/>
-              <a:defRPr sz="625"/>
+              <a:defRPr sz="467"/>
             </a:lvl5pPr>
-            <a:lvl6pPr marL="1428293" indent="0">
+            <a:lvl6pPr marL="1068476" indent="0">
               <a:buNone/>
-              <a:defRPr sz="625"/>
+              <a:defRPr sz="467"/>
             </a:lvl6pPr>
-            <a:lvl7pPr marL="1713951" indent="0">
+            <a:lvl7pPr marL="1282172" indent="0">
               <a:buNone/>
-              <a:defRPr sz="625"/>
+              <a:defRPr sz="467"/>
             </a:lvl7pPr>
-            <a:lvl8pPr marL="1999610" indent="0">
+            <a:lvl8pPr marL="1495867" indent="0">
               <a:buNone/>
-              <a:defRPr sz="625"/>
+              <a:defRPr sz="467"/>
             </a:lvl8pPr>
-            <a:lvl9pPr marL="2285268" indent="0">
+            <a:lvl9pPr marL="1709562" indent="0">
               <a:buNone/>
-              <a:defRPr sz="625"/>
+              <a:defRPr sz="467"/>
             </a:lvl9pPr>
           </a:lstStyle>
           <a:p>
@@ -2096,7 +2096,7 @@
           <a:p>
             <a:fld id="{566289E1-A2B3-9A4F-A33A-EC602EAC15A8}" type="datetimeFigureOut">
               <a:rPr kumimoji="1" lang="zh-CN" altLang="en-US" smtClean="0"/>
-              <a:t>2023/3/19</a:t>
+              <a:t>2023/4/10</a:t>
             </a:fld>
             <a:endParaRPr kumimoji="1" lang="zh-CN" altLang="en-US"/>
           </a:p>
@@ -2147,7 +2147,7 @@
     </p:spTree>
     <p:extLst>
       <p:ext uri="{BB962C8B-B14F-4D97-AF65-F5344CB8AC3E}">
-        <p14:creationId xmlns:p14="http://schemas.microsoft.com/office/powerpoint/2010/main" val="3365900001"/>
+        <p14:creationId xmlns:p14="http://schemas.microsoft.com/office/powerpoint/2010/main" val="2410968232"/>
       </p:ext>
     </p:extLst>
   </p:cSld>
@@ -2186,15 +2186,15 @@
         </p:nvSpPr>
         <p:spPr>
           <a:xfrm>
-            <a:off x="393542" y="481224"/>
-            <a:ext cx="1842724" cy="1684285"/>
+            <a:off x="294363" y="481224"/>
+            <a:ext cx="1378331" cy="1684285"/>
           </a:xfrm>
         </p:spPr>
         <p:txBody>
           <a:bodyPr anchor="b"/>
           <a:lstStyle>
             <a:lvl1pPr>
-              <a:defRPr sz="1999"/>
+              <a:defRPr sz="1496"/>
             </a:lvl1pPr>
           </a:lstStyle>
           <a:p>
@@ -2218,8 +2218,8 @@
         </p:nvSpPr>
         <p:spPr>
           <a:xfrm>
-            <a:off x="2428945" y="1039312"/>
-            <a:ext cx="2892415" cy="5129716"/>
+            <a:off x="1816815" y="1039312"/>
+            <a:ext cx="2163485" cy="5129716"/>
           </a:xfrm>
         </p:spPr>
         <p:txBody>
@@ -2227,39 +2227,39 @@
           <a:lstStyle>
             <a:lvl1pPr marL="0" indent="0">
               <a:buNone/>
-              <a:defRPr sz="1999"/>
+              <a:defRPr sz="1496"/>
             </a:lvl1pPr>
-            <a:lvl2pPr marL="285659" indent="0">
+            <a:lvl2pPr marL="213695" indent="0">
               <a:buNone/>
-              <a:defRPr sz="1749"/>
+              <a:defRPr sz="1309"/>
             </a:lvl2pPr>
-            <a:lvl3pPr marL="571317" indent="0">
+            <a:lvl3pPr marL="427391" indent="0">
               <a:buNone/>
-              <a:defRPr sz="1500"/>
+              <a:defRPr sz="1122"/>
             </a:lvl3pPr>
-            <a:lvl4pPr marL="856976" indent="0">
+            <a:lvl4pPr marL="641086" indent="0">
               <a:buNone/>
-              <a:defRPr sz="1250"/>
+              <a:defRPr sz="935"/>
             </a:lvl4pPr>
-            <a:lvl5pPr marL="1142634" indent="0">
+            <a:lvl5pPr marL="854781" indent="0">
               <a:buNone/>
-              <a:defRPr sz="1250"/>
+              <a:defRPr sz="935"/>
             </a:lvl5pPr>
-            <a:lvl6pPr marL="1428293" indent="0">
+            <a:lvl6pPr marL="1068476" indent="0">
               <a:buNone/>
-              <a:defRPr sz="1250"/>
+              <a:defRPr sz="935"/>
             </a:lvl6pPr>
-            <a:lvl7pPr marL="1713951" indent="0">
+            <a:lvl7pPr marL="1282172" indent="0">
               <a:buNone/>
-              <a:defRPr sz="1250"/>
+              <a:defRPr sz="935"/>
             </a:lvl7pPr>
-            <a:lvl8pPr marL="1999610" indent="0">
+            <a:lvl8pPr marL="1495867" indent="0">
               <a:buNone/>
-              <a:defRPr sz="1250"/>
+              <a:defRPr sz="935"/>
             </a:lvl8pPr>
-            <a:lvl9pPr marL="2285268" indent="0">
+            <a:lvl9pPr marL="1709562" indent="0">
               <a:buNone/>
-              <a:defRPr sz="1250"/>
+              <a:defRPr sz="935"/>
             </a:lvl9pPr>
           </a:lstStyle>
           <a:p>
@@ -2283,8 +2283,8 @@
         </p:nvSpPr>
         <p:spPr>
           <a:xfrm>
-            <a:off x="393542" y="2165509"/>
-            <a:ext cx="1842724" cy="4011873"/>
+            <a:off x="294363" y="2165509"/>
+            <a:ext cx="1378331" cy="4011873"/>
           </a:xfrm>
         </p:spPr>
         <p:txBody>
@@ -2292,39 +2292,39 @@
           <a:lstStyle>
             <a:lvl1pPr marL="0" indent="0">
               <a:buNone/>
-              <a:defRPr sz="1000"/>
+              <a:defRPr sz="748"/>
             </a:lvl1pPr>
-            <a:lvl2pPr marL="285659" indent="0">
+            <a:lvl2pPr marL="213695" indent="0">
               <a:buNone/>
-              <a:defRPr sz="875"/>
+              <a:defRPr sz="654"/>
             </a:lvl2pPr>
-            <a:lvl3pPr marL="571317" indent="0">
+            <a:lvl3pPr marL="427391" indent="0">
               <a:buNone/>
-              <a:defRPr sz="750"/>
+              <a:defRPr sz="561"/>
             </a:lvl3pPr>
-            <a:lvl4pPr marL="856976" indent="0">
+            <a:lvl4pPr marL="641086" indent="0">
               <a:buNone/>
-              <a:defRPr sz="625"/>
+              <a:defRPr sz="467"/>
             </a:lvl4pPr>
-            <a:lvl5pPr marL="1142634" indent="0">
+            <a:lvl5pPr marL="854781" indent="0">
               <a:buNone/>
-              <a:defRPr sz="625"/>
+              <a:defRPr sz="467"/>
             </a:lvl5pPr>
-            <a:lvl6pPr marL="1428293" indent="0">
+            <a:lvl6pPr marL="1068476" indent="0">
               <a:buNone/>
-              <a:defRPr sz="625"/>
+              <a:defRPr sz="467"/>
             </a:lvl6pPr>
-            <a:lvl7pPr marL="1713951" indent="0">
+            <a:lvl7pPr marL="1282172" indent="0">
               <a:buNone/>
-              <a:defRPr sz="625"/>
+              <a:defRPr sz="467"/>
             </a:lvl7pPr>
-            <a:lvl8pPr marL="1999610" indent="0">
+            <a:lvl8pPr marL="1495867" indent="0">
               <a:buNone/>
-              <a:defRPr sz="625"/>
+              <a:defRPr sz="467"/>
             </a:lvl8pPr>
-            <a:lvl9pPr marL="2285268" indent="0">
+            <a:lvl9pPr marL="1709562" indent="0">
               <a:buNone/>
-              <a:defRPr sz="625"/>
+              <a:defRPr sz="467"/>
             </a:lvl9pPr>
           </a:lstStyle>
           <a:p>
@@ -2353,7 +2353,7 @@
           <a:p>
             <a:fld id="{566289E1-A2B3-9A4F-A33A-EC602EAC15A8}" type="datetimeFigureOut">
               <a:rPr kumimoji="1" lang="zh-CN" altLang="en-US" smtClean="0"/>
-              <a:t>2023/3/19</a:t>
+              <a:t>2023/4/10</a:t>
             </a:fld>
             <a:endParaRPr kumimoji="1" lang="zh-CN" altLang="en-US"/>
           </a:p>
@@ -2404,7 +2404,7 @@
     </p:spTree>
     <p:extLst>
       <p:ext uri="{BB962C8B-B14F-4D97-AF65-F5344CB8AC3E}">
-        <p14:creationId xmlns:p14="http://schemas.microsoft.com/office/powerpoint/2010/main" val="207681160"/>
+        <p14:creationId xmlns:p14="http://schemas.microsoft.com/office/powerpoint/2010/main" val="2561331640"/>
       </p:ext>
     </p:extLst>
   </p:cSld>
@@ -2448,8 +2448,8 @@
         </p:nvSpPr>
         <p:spPr>
           <a:xfrm>
-            <a:off x="392797" y="384312"/>
-            <a:ext cx="4927819" cy="1395217"/>
+            <a:off x="293807" y="384312"/>
+            <a:ext cx="3685937" cy="1395217"/>
           </a:xfrm>
           <a:prstGeom prst="rect">
             <a:avLst/>
@@ -2481,8 +2481,8 @@
         </p:nvSpPr>
         <p:spPr>
           <a:xfrm>
-            <a:off x="392797" y="1921555"/>
-            <a:ext cx="4927819" cy="4579985"/>
+            <a:off x="293807" y="1921555"/>
+            <a:ext cx="3685937" cy="4579985"/>
           </a:xfrm>
           <a:prstGeom prst="rect">
             <a:avLst/>
@@ -2543,8 +2543,8 @@
         </p:nvSpPr>
         <p:spPr>
           <a:xfrm>
-            <a:off x="392797" y="6690355"/>
-            <a:ext cx="1285518" cy="384311"/>
+            <a:off x="293806" y="6690355"/>
+            <a:ext cx="961549" cy="384311"/>
           </a:xfrm>
           <a:prstGeom prst="rect">
             <a:avLst/>
@@ -2554,7 +2554,7 @@
           <a:bodyPr vert="horz" lIns="91440" tIns="45720" rIns="91440" bIns="45720" rtlCol="0" anchor="ctr"/>
           <a:lstStyle>
             <a:lvl1pPr algn="l">
-              <a:defRPr sz="750">
+              <a:defRPr sz="561">
                 <a:solidFill>
                   <a:schemeClr val="tx1">
                     <a:tint val="75000"/>
@@ -2566,7 +2566,7 @@
           <a:p>
             <a:fld id="{566289E1-A2B3-9A4F-A33A-EC602EAC15A8}" type="datetimeFigureOut">
               <a:rPr kumimoji="1" lang="zh-CN" altLang="en-US" smtClean="0"/>
-              <a:t>2023/3/19</a:t>
+              <a:t>2023/4/10</a:t>
             </a:fld>
             <a:endParaRPr kumimoji="1" lang="zh-CN" altLang="en-US"/>
           </a:p>
@@ -2584,8 +2584,8 @@
         </p:nvSpPr>
         <p:spPr>
           <a:xfrm>
-            <a:off x="1892568" y="6690355"/>
-            <a:ext cx="1928277" cy="384311"/>
+            <a:off x="1415614" y="6690355"/>
+            <a:ext cx="1442323" cy="384311"/>
           </a:xfrm>
           <a:prstGeom prst="rect">
             <a:avLst/>
@@ -2595,7 +2595,7 @@
           <a:bodyPr vert="horz" lIns="91440" tIns="45720" rIns="91440" bIns="45720" rtlCol="0" anchor="ctr"/>
           <a:lstStyle>
             <a:lvl1pPr algn="ctr">
-              <a:defRPr sz="750">
+              <a:defRPr sz="561">
                 <a:solidFill>
                   <a:schemeClr val="tx1">
                     <a:tint val="75000"/>
@@ -2621,8 +2621,8 @@
         </p:nvSpPr>
         <p:spPr>
           <a:xfrm>
-            <a:off x="4035098" y="6690355"/>
-            <a:ext cx="1285518" cy="384311"/>
+            <a:off x="3018195" y="6690355"/>
+            <a:ext cx="961549" cy="384311"/>
           </a:xfrm>
           <a:prstGeom prst="rect">
             <a:avLst/>
@@ -2632,7 +2632,7 @@
           <a:bodyPr vert="horz" lIns="91440" tIns="45720" rIns="91440" bIns="45720" rtlCol="0" anchor="ctr"/>
           <a:lstStyle>
             <a:lvl1pPr algn="r">
-              <a:defRPr sz="750">
+              <a:defRPr sz="561">
                 <a:solidFill>
                   <a:schemeClr val="tx1">
                     <a:tint val="75000"/>
@@ -2653,27 +2653,27 @@
     </p:spTree>
     <p:extLst>
       <p:ext uri="{BB962C8B-B14F-4D97-AF65-F5344CB8AC3E}">
-        <p14:creationId xmlns:p14="http://schemas.microsoft.com/office/powerpoint/2010/main" val="2376671076"/>
+        <p14:creationId xmlns:p14="http://schemas.microsoft.com/office/powerpoint/2010/main" val="1003972482"/>
       </p:ext>
     </p:extLst>
   </p:cSld>
   <p:clrMap bg1="lt1" tx1="dk1" bg2="lt2" tx2="dk2" accent1="accent1" accent2="accent2" accent3="accent3" accent4="accent4" accent5="accent5" accent6="accent6" hlink="hlink" folHlink="folHlink"/>
   <p:sldLayoutIdLst>
-    <p:sldLayoutId id="2147483805" r:id="rId1"/>
-    <p:sldLayoutId id="2147483806" r:id="rId2"/>
-    <p:sldLayoutId id="2147483807" r:id="rId3"/>
-    <p:sldLayoutId id="2147483808" r:id="rId4"/>
-    <p:sldLayoutId id="2147483809" r:id="rId5"/>
-    <p:sldLayoutId id="2147483810" r:id="rId6"/>
-    <p:sldLayoutId id="2147483811" r:id="rId7"/>
-    <p:sldLayoutId id="2147483812" r:id="rId8"/>
-    <p:sldLayoutId id="2147483813" r:id="rId9"/>
-    <p:sldLayoutId id="2147483814" r:id="rId10"/>
-    <p:sldLayoutId id="2147483815" r:id="rId11"/>
+    <p:sldLayoutId id="2147483817" r:id="rId1"/>
+    <p:sldLayoutId id="2147483818" r:id="rId2"/>
+    <p:sldLayoutId id="2147483819" r:id="rId3"/>
+    <p:sldLayoutId id="2147483820" r:id="rId4"/>
+    <p:sldLayoutId id="2147483821" r:id="rId5"/>
+    <p:sldLayoutId id="2147483822" r:id="rId6"/>
+    <p:sldLayoutId id="2147483823" r:id="rId7"/>
+    <p:sldLayoutId id="2147483824" r:id="rId8"/>
+    <p:sldLayoutId id="2147483825" r:id="rId9"/>
+    <p:sldLayoutId id="2147483826" r:id="rId10"/>
+    <p:sldLayoutId id="2147483827" r:id="rId11"/>
   </p:sldLayoutIdLst>
   <p:txStyles>
     <p:titleStyle>
-      <a:lvl1pPr algn="l" defTabSz="571317" rtl="0" eaLnBrk="1" latinLnBrk="0" hangingPunct="1">
+      <a:lvl1pPr algn="l" defTabSz="427391" rtl="0" eaLnBrk="1" latinLnBrk="0" hangingPunct="1">
         <a:lnSpc>
           <a:spcPct val="90000"/>
         </a:lnSpc>
@@ -2681,7 +2681,7 @@
           <a:spcPct val="0"/>
         </a:spcBef>
         <a:buNone/>
-        <a:defRPr sz="2749" kern="1200">
+        <a:defRPr sz="2057" kern="1200">
           <a:solidFill>
             <a:schemeClr val="tx1"/>
           </a:solidFill>
@@ -2692,16 +2692,16 @@
       </a:lvl1pPr>
     </p:titleStyle>
     <p:bodyStyle>
-      <a:lvl1pPr marL="142829" indent="-142829" algn="l" defTabSz="571317" rtl="0" eaLnBrk="1" latinLnBrk="0" hangingPunct="1">
+      <a:lvl1pPr marL="106848" indent="-106848" algn="l" defTabSz="427391" rtl="0" eaLnBrk="1" latinLnBrk="0" hangingPunct="1">
         <a:lnSpc>
           <a:spcPct val="90000"/>
         </a:lnSpc>
         <a:spcBef>
-          <a:spcPts val="625"/>
+          <a:spcPts val="467"/>
         </a:spcBef>
         <a:buFont typeface="Arial" panose="020B0604020202020204" pitchFamily="34" charset="0"/>
         <a:buChar char="•"/>
-        <a:defRPr sz="1749" kern="1200">
+        <a:defRPr sz="1309" kern="1200">
           <a:solidFill>
             <a:schemeClr val="tx1"/>
           </a:solidFill>
@@ -2710,16 +2710,16 @@
           <a:cs typeface="+mn-cs"/>
         </a:defRPr>
       </a:lvl1pPr>
-      <a:lvl2pPr marL="428488" indent="-142829" algn="l" defTabSz="571317" rtl="0" eaLnBrk="1" latinLnBrk="0" hangingPunct="1">
+      <a:lvl2pPr marL="320543" indent="-106848" algn="l" defTabSz="427391" rtl="0" eaLnBrk="1" latinLnBrk="0" hangingPunct="1">
         <a:lnSpc>
           <a:spcPct val="90000"/>
         </a:lnSpc>
         <a:spcBef>
-          <a:spcPts val="312"/>
+          <a:spcPts val="234"/>
         </a:spcBef>
         <a:buFont typeface="Arial" panose="020B0604020202020204" pitchFamily="34" charset="0"/>
         <a:buChar char="•"/>
-        <a:defRPr sz="1500" kern="1200">
+        <a:defRPr sz="1122" kern="1200">
           <a:solidFill>
             <a:schemeClr val="tx1"/>
           </a:solidFill>
@@ -2728,16 +2728,16 @@
           <a:cs typeface="+mn-cs"/>
         </a:defRPr>
       </a:lvl2pPr>
-      <a:lvl3pPr marL="714146" indent="-142829" algn="l" defTabSz="571317" rtl="0" eaLnBrk="1" latinLnBrk="0" hangingPunct="1">
+      <a:lvl3pPr marL="534238" indent="-106848" algn="l" defTabSz="427391" rtl="0" eaLnBrk="1" latinLnBrk="0" hangingPunct="1">
         <a:lnSpc>
           <a:spcPct val="90000"/>
         </a:lnSpc>
         <a:spcBef>
-          <a:spcPts val="312"/>
+          <a:spcPts val="234"/>
         </a:spcBef>
         <a:buFont typeface="Arial" panose="020B0604020202020204" pitchFamily="34" charset="0"/>
         <a:buChar char="•"/>
-        <a:defRPr sz="1250" kern="1200">
+        <a:defRPr sz="935" kern="1200">
           <a:solidFill>
             <a:schemeClr val="tx1"/>
           </a:solidFill>
@@ -2746,16 +2746,16 @@
           <a:cs typeface="+mn-cs"/>
         </a:defRPr>
       </a:lvl3pPr>
-      <a:lvl4pPr marL="999805" indent="-142829" algn="l" defTabSz="571317" rtl="0" eaLnBrk="1" latinLnBrk="0" hangingPunct="1">
+      <a:lvl4pPr marL="747933" indent="-106848" algn="l" defTabSz="427391" rtl="0" eaLnBrk="1" latinLnBrk="0" hangingPunct="1">
         <a:lnSpc>
           <a:spcPct val="90000"/>
         </a:lnSpc>
         <a:spcBef>
-          <a:spcPts val="312"/>
+          <a:spcPts val="234"/>
         </a:spcBef>
         <a:buFont typeface="Arial" panose="020B0604020202020204" pitchFamily="34" charset="0"/>
         <a:buChar char="•"/>
-        <a:defRPr sz="1125" kern="1200">
+        <a:defRPr sz="841" kern="1200">
           <a:solidFill>
             <a:schemeClr val="tx1"/>
           </a:solidFill>
@@ -2764,16 +2764,16 @@
           <a:cs typeface="+mn-cs"/>
         </a:defRPr>
       </a:lvl4pPr>
-      <a:lvl5pPr marL="1285464" indent="-142829" algn="l" defTabSz="571317" rtl="0" eaLnBrk="1" latinLnBrk="0" hangingPunct="1">
+      <a:lvl5pPr marL="961629" indent="-106848" algn="l" defTabSz="427391" rtl="0" eaLnBrk="1" latinLnBrk="0" hangingPunct="1">
         <a:lnSpc>
           <a:spcPct val="90000"/>
         </a:lnSpc>
         <a:spcBef>
-          <a:spcPts val="312"/>
+          <a:spcPts val="234"/>
         </a:spcBef>
         <a:buFont typeface="Arial" panose="020B0604020202020204" pitchFamily="34" charset="0"/>
         <a:buChar char="•"/>
-        <a:defRPr sz="1125" kern="1200">
+        <a:defRPr sz="841" kern="1200">
           <a:solidFill>
             <a:schemeClr val="tx1"/>
           </a:solidFill>
@@ -2782,16 +2782,16 @@
           <a:cs typeface="+mn-cs"/>
         </a:defRPr>
       </a:lvl5pPr>
-      <a:lvl6pPr marL="1571122" indent="-142829" algn="l" defTabSz="571317" rtl="0" eaLnBrk="1" latinLnBrk="0" hangingPunct="1">
+      <a:lvl6pPr marL="1175324" indent="-106848" algn="l" defTabSz="427391" rtl="0" eaLnBrk="1" latinLnBrk="0" hangingPunct="1">
         <a:lnSpc>
           <a:spcPct val="90000"/>
         </a:lnSpc>
         <a:spcBef>
-          <a:spcPts val="312"/>
+          <a:spcPts val="234"/>
         </a:spcBef>
         <a:buFont typeface="Arial" panose="020B0604020202020204" pitchFamily="34" charset="0"/>
         <a:buChar char="•"/>
-        <a:defRPr sz="1125" kern="1200">
+        <a:defRPr sz="841" kern="1200">
           <a:solidFill>
             <a:schemeClr val="tx1"/>
           </a:solidFill>
@@ -2800,16 +2800,16 @@
           <a:cs typeface="+mn-cs"/>
         </a:defRPr>
       </a:lvl6pPr>
-      <a:lvl7pPr marL="1856781" indent="-142829" algn="l" defTabSz="571317" rtl="0" eaLnBrk="1" latinLnBrk="0" hangingPunct="1">
+      <a:lvl7pPr marL="1389019" indent="-106848" algn="l" defTabSz="427391" rtl="0" eaLnBrk="1" latinLnBrk="0" hangingPunct="1">
         <a:lnSpc>
           <a:spcPct val="90000"/>
         </a:lnSpc>
         <a:spcBef>
-          <a:spcPts val="312"/>
+          <a:spcPts val="234"/>
         </a:spcBef>
         <a:buFont typeface="Arial" panose="020B0604020202020204" pitchFamily="34" charset="0"/>
         <a:buChar char="•"/>
-        <a:defRPr sz="1125" kern="1200">
+        <a:defRPr sz="841" kern="1200">
           <a:solidFill>
             <a:schemeClr val="tx1"/>
           </a:solidFill>
@@ -2818,16 +2818,16 @@
           <a:cs typeface="+mn-cs"/>
         </a:defRPr>
       </a:lvl7pPr>
-      <a:lvl8pPr marL="2142439" indent="-142829" algn="l" defTabSz="571317" rtl="0" eaLnBrk="1" latinLnBrk="0" hangingPunct="1">
+      <a:lvl8pPr marL="1602715" indent="-106848" algn="l" defTabSz="427391" rtl="0" eaLnBrk="1" latinLnBrk="0" hangingPunct="1">
         <a:lnSpc>
           <a:spcPct val="90000"/>
         </a:lnSpc>
         <a:spcBef>
-          <a:spcPts val="312"/>
+          <a:spcPts val="234"/>
         </a:spcBef>
         <a:buFont typeface="Arial" panose="020B0604020202020204" pitchFamily="34" charset="0"/>
         <a:buChar char="•"/>
-        <a:defRPr sz="1125" kern="1200">
+        <a:defRPr sz="841" kern="1200">
           <a:solidFill>
             <a:schemeClr val="tx1"/>
           </a:solidFill>
@@ -2836,16 +2836,16 @@
           <a:cs typeface="+mn-cs"/>
         </a:defRPr>
       </a:lvl8pPr>
-      <a:lvl9pPr marL="2428098" indent="-142829" algn="l" defTabSz="571317" rtl="0" eaLnBrk="1" latinLnBrk="0" hangingPunct="1">
+      <a:lvl9pPr marL="1816410" indent="-106848" algn="l" defTabSz="427391" rtl="0" eaLnBrk="1" latinLnBrk="0" hangingPunct="1">
         <a:lnSpc>
           <a:spcPct val="90000"/>
         </a:lnSpc>
         <a:spcBef>
-          <a:spcPts val="312"/>
+          <a:spcPts val="234"/>
         </a:spcBef>
         <a:buFont typeface="Arial" panose="020B0604020202020204" pitchFamily="34" charset="0"/>
         <a:buChar char="•"/>
-        <a:defRPr sz="1125" kern="1200">
+        <a:defRPr sz="841" kern="1200">
           <a:solidFill>
             <a:schemeClr val="tx1"/>
           </a:solidFill>
@@ -2859,8 +2859,8 @@
       <a:defPPr>
         <a:defRPr lang="en-US"/>
       </a:defPPr>
-      <a:lvl1pPr marL="0" algn="l" defTabSz="571317" rtl="0" eaLnBrk="1" latinLnBrk="0" hangingPunct="1">
-        <a:defRPr sz="1125" kern="1200">
+      <a:lvl1pPr marL="0" algn="l" defTabSz="427391" rtl="0" eaLnBrk="1" latinLnBrk="0" hangingPunct="1">
+        <a:defRPr sz="841" kern="1200">
           <a:solidFill>
             <a:schemeClr val="tx1"/>
           </a:solidFill>
@@ -2869,8 +2869,8 @@
           <a:cs typeface="+mn-cs"/>
         </a:defRPr>
       </a:lvl1pPr>
-      <a:lvl2pPr marL="285659" algn="l" defTabSz="571317" rtl="0" eaLnBrk="1" latinLnBrk="0" hangingPunct="1">
-        <a:defRPr sz="1125" kern="1200">
+      <a:lvl2pPr marL="213695" algn="l" defTabSz="427391" rtl="0" eaLnBrk="1" latinLnBrk="0" hangingPunct="1">
+        <a:defRPr sz="841" kern="1200">
           <a:solidFill>
             <a:schemeClr val="tx1"/>
           </a:solidFill>
@@ -2879,8 +2879,8 @@
           <a:cs typeface="+mn-cs"/>
         </a:defRPr>
       </a:lvl2pPr>
-      <a:lvl3pPr marL="571317" algn="l" defTabSz="571317" rtl="0" eaLnBrk="1" latinLnBrk="0" hangingPunct="1">
-        <a:defRPr sz="1125" kern="1200">
+      <a:lvl3pPr marL="427391" algn="l" defTabSz="427391" rtl="0" eaLnBrk="1" latinLnBrk="0" hangingPunct="1">
+        <a:defRPr sz="841" kern="1200">
           <a:solidFill>
             <a:schemeClr val="tx1"/>
           </a:solidFill>
@@ -2889,8 +2889,8 @@
           <a:cs typeface="+mn-cs"/>
         </a:defRPr>
       </a:lvl3pPr>
-      <a:lvl4pPr marL="856976" algn="l" defTabSz="571317" rtl="0" eaLnBrk="1" latinLnBrk="0" hangingPunct="1">
-        <a:defRPr sz="1125" kern="1200">
+      <a:lvl4pPr marL="641086" algn="l" defTabSz="427391" rtl="0" eaLnBrk="1" latinLnBrk="0" hangingPunct="1">
+        <a:defRPr sz="841" kern="1200">
           <a:solidFill>
             <a:schemeClr val="tx1"/>
           </a:solidFill>
@@ -2899,8 +2899,8 @@
           <a:cs typeface="+mn-cs"/>
         </a:defRPr>
       </a:lvl4pPr>
-      <a:lvl5pPr marL="1142634" algn="l" defTabSz="571317" rtl="0" eaLnBrk="1" latinLnBrk="0" hangingPunct="1">
-        <a:defRPr sz="1125" kern="1200">
+      <a:lvl5pPr marL="854781" algn="l" defTabSz="427391" rtl="0" eaLnBrk="1" latinLnBrk="0" hangingPunct="1">
+        <a:defRPr sz="841" kern="1200">
           <a:solidFill>
             <a:schemeClr val="tx1"/>
           </a:solidFill>
@@ -2909,8 +2909,8 @@
           <a:cs typeface="+mn-cs"/>
         </a:defRPr>
       </a:lvl5pPr>
-      <a:lvl6pPr marL="1428293" algn="l" defTabSz="571317" rtl="0" eaLnBrk="1" latinLnBrk="0" hangingPunct="1">
-        <a:defRPr sz="1125" kern="1200">
+      <a:lvl6pPr marL="1068476" algn="l" defTabSz="427391" rtl="0" eaLnBrk="1" latinLnBrk="0" hangingPunct="1">
+        <a:defRPr sz="841" kern="1200">
           <a:solidFill>
             <a:schemeClr val="tx1"/>
           </a:solidFill>
@@ -2919,8 +2919,8 @@
           <a:cs typeface="+mn-cs"/>
         </a:defRPr>
       </a:lvl6pPr>
-      <a:lvl7pPr marL="1713951" algn="l" defTabSz="571317" rtl="0" eaLnBrk="1" latinLnBrk="0" hangingPunct="1">
-        <a:defRPr sz="1125" kern="1200">
+      <a:lvl7pPr marL="1282172" algn="l" defTabSz="427391" rtl="0" eaLnBrk="1" latinLnBrk="0" hangingPunct="1">
+        <a:defRPr sz="841" kern="1200">
           <a:solidFill>
             <a:schemeClr val="tx1"/>
           </a:solidFill>
@@ -2929,8 +2929,8 @@
           <a:cs typeface="+mn-cs"/>
         </a:defRPr>
       </a:lvl7pPr>
-      <a:lvl8pPr marL="1999610" algn="l" defTabSz="571317" rtl="0" eaLnBrk="1" latinLnBrk="0" hangingPunct="1">
-        <a:defRPr sz="1125" kern="1200">
+      <a:lvl8pPr marL="1495867" algn="l" defTabSz="427391" rtl="0" eaLnBrk="1" latinLnBrk="0" hangingPunct="1">
+        <a:defRPr sz="841" kern="1200">
           <a:solidFill>
             <a:schemeClr val="tx1"/>
           </a:solidFill>
@@ -2939,8 +2939,8 @@
           <a:cs typeface="+mn-cs"/>
         </a:defRPr>
       </a:lvl8pPr>
-      <a:lvl9pPr marL="2285268" algn="l" defTabSz="571317" rtl="0" eaLnBrk="1" latinLnBrk="0" hangingPunct="1">
-        <a:defRPr sz="1125" kern="1200">
+      <a:lvl9pPr marL="1709562" algn="l" defTabSz="427391" rtl="0" eaLnBrk="1" latinLnBrk="0" hangingPunct="1">
+        <a:defRPr sz="841" kern="1200">
           <a:solidFill>
             <a:schemeClr val="tx1"/>
           </a:solidFill>
@@ -2985,8 +2985,8 @@
         </p:nvSpPr>
         <p:spPr>
           <a:xfrm>
-            <a:off x="96480" y="4827312"/>
-            <a:ext cx="5473640" cy="1164286"/>
+            <a:off x="0" y="4827313"/>
+            <a:ext cx="4273549" cy="1164286"/>
           </a:xfrm>
           <a:prstGeom prst="rect">
             <a:avLst/>
@@ -3045,7 +3045,7 @@
             </p:nvSpPr>
             <p:spPr>
               <a:xfrm>
-                <a:off x="2159066" y="4569853"/>
+                <a:off x="1439135" y="4569854"/>
                 <a:ext cx="1277934" cy="400879"/>
               </a:xfrm>
               <a:prstGeom prst="rect">
@@ -3069,7 +3069,7 @@
                       <m:sSub>
                         <m:sSubPr>
                           <m:ctrlPr>
-                            <a:rPr lang="en-US" altLang="zh-CN" sz="2005" i="1" smtClean="0">
+                            <a:rPr lang="en-US" altLang="zh-CN" sz="2005" i="1">
                               <a:latin typeface="Cambria Math" panose="02040503050406030204" pitchFamily="18" charset="0"/>
                               <a:cs typeface="Times New Roman" panose="02020603050405020304" pitchFamily="18" charset="0"/>
                             </a:rPr>
@@ -3077,7 +3077,7 @@
                         </m:sSubPr>
                         <m:e>
                           <m:r>
-                            <a:rPr lang="en-US" altLang="zh-CN" sz="2005" b="0" i="1" smtClean="0">
+                            <a:rPr lang="en-US" altLang="zh-CN" sz="2005" i="1">
                               <a:latin typeface="Cambria Math" panose="02040503050406030204" pitchFamily="18" charset="0"/>
                               <a:cs typeface="Times New Roman" panose="02020603050405020304" pitchFamily="18" charset="0"/>
                             </a:rPr>
@@ -3123,7 +3123,7 @@
             </p:nvSpPr>
             <p:spPr>
               <a:xfrm>
-                <a:off x="2159066" y="4569853"/>
+                <a:off x="1439135" y="4569854"/>
                 <a:ext cx="1277934" cy="400879"/>
               </a:xfrm>
               <a:prstGeom prst="rect">
@@ -3194,7 +3194,7 @@
         </p:blipFill>
         <p:spPr>
           <a:xfrm>
-            <a:off x="3763228" y="5668197"/>
+            <a:off x="2595411" y="5688716"/>
             <a:ext cx="474535" cy="289350"/>
           </a:xfrm>
           <a:prstGeom prst="rect">
@@ -3254,7 +3254,7 @@
         </p:blipFill>
         <p:spPr>
           <a:xfrm rot="10800000" flipH="1" flipV="1">
-            <a:off x="4982643" y="4707242"/>
+            <a:off x="3664522" y="5266471"/>
             <a:ext cx="439813" cy="231480"/>
           </a:xfrm>
           <a:prstGeom prst="rect">
@@ -3278,7 +3278,7 @@
             </p:nvSpPr>
             <p:spPr>
               <a:xfrm>
-                <a:off x="3117438" y="2021744"/>
+                <a:off x="2397507" y="2021745"/>
                 <a:ext cx="589494" cy="400879"/>
               </a:xfrm>
               <a:prstGeom prst="rect">
@@ -3358,7 +3358,7 @@
             </p:nvSpPr>
             <p:spPr>
               <a:xfrm>
-                <a:off x="3117438" y="2021744"/>
+                <a:off x="2397507" y="2021745"/>
                 <a:ext cx="589494" cy="400879"/>
               </a:xfrm>
               <a:prstGeom prst="rect">
@@ -3400,7 +3400,7 @@
         </p:nvGrpSpPr>
         <p:grpSpPr>
           <a:xfrm>
-            <a:off x="449117" y="4526581"/>
+            <a:off x="219165" y="4507477"/>
             <a:ext cx="3194713" cy="1462009"/>
             <a:chOff x="367532" y="4046597"/>
             <a:chExt cx="3194713" cy="1462009"/>
@@ -4764,7 +4764,7 @@
         </p:blipFill>
         <p:spPr>
           <a:xfrm>
-            <a:off x="3023368" y="4701665"/>
+            <a:off x="2303437" y="4701666"/>
             <a:ext cx="520831" cy="266202"/>
           </a:xfrm>
           <a:prstGeom prst="rect">
@@ -4788,7 +4788,7 @@
             </p:nvSpPr>
             <p:spPr>
               <a:xfrm>
-                <a:off x="3310642" y="5564944"/>
+                <a:off x="2142825" y="5585463"/>
                 <a:ext cx="391851" cy="400879"/>
               </a:xfrm>
               <a:prstGeom prst="rect">
@@ -4812,7 +4812,7 @@
                       <m:sSub>
                         <m:sSubPr>
                           <m:ctrlPr>
-                            <a:rPr kumimoji="1" lang="en-US" altLang="zh-CN" sz="2005" i="1" dirty="0" smtClean="0">
+                            <a:rPr kumimoji="1" lang="en-US" altLang="zh-CN" sz="2005" i="1" dirty="0">
                               <a:latin typeface="Cambria Math" panose="02040503050406030204" pitchFamily="18" charset="0"/>
                               <a:ea typeface="Cambria Math" panose="02040503050406030204" pitchFamily="18" charset="0"/>
                               <a:cs typeface="Times New Roman" panose="02020603050405020304" pitchFamily="18" charset="0"/>
@@ -4821,7 +4821,7 @@
                         </m:sSubPr>
                         <m:e>
                           <m:r>
-                            <a:rPr kumimoji="1" lang="en-US" altLang="zh-CN" sz="2005" b="0" i="1" dirty="0" smtClean="0">
+                            <a:rPr kumimoji="1" lang="en-US" altLang="zh-CN" sz="2005" i="1" dirty="0">
                               <a:latin typeface="Cambria Math" panose="02040503050406030204" pitchFamily="18" charset="0"/>
                               <a:ea typeface="Cambria Math" panose="02040503050406030204" pitchFamily="18" charset="0"/>
                               <a:cs typeface="Times New Roman" panose="02020603050405020304" pitchFamily="18" charset="0"/>
@@ -4869,7 +4869,7 @@
             </p:nvSpPr>
             <p:spPr>
               <a:xfrm>
-                <a:off x="3310642" y="5564944"/>
+                <a:off x="2142825" y="5585463"/>
                 <a:ext cx="391851" cy="400879"/>
               </a:xfrm>
               <a:prstGeom prst="rect">
@@ -4913,7 +4913,7 @@
             </p:nvSpPr>
             <p:spPr>
               <a:xfrm>
-                <a:off x="4142977" y="4585569"/>
+                <a:off x="2831787" y="5166611"/>
                 <a:ext cx="1277934" cy="400879"/>
               </a:xfrm>
               <a:prstGeom prst="rect">
@@ -4937,7 +4937,7 @@
                       <m:sSub>
                         <m:sSubPr>
                           <m:ctrlPr>
-                            <a:rPr lang="en-US" altLang="zh-CN" sz="2005" i="1" smtClean="0">
+                            <a:rPr lang="en-US" altLang="zh-CN" sz="2005" i="1">
                               <a:latin typeface="Cambria Math" panose="02040503050406030204" pitchFamily="18" charset="0"/>
                               <a:cs typeface="Times New Roman" panose="02020603050405020304" pitchFamily="18" charset="0"/>
                             </a:rPr>
@@ -4945,7 +4945,7 @@
                         </m:sSubPr>
                         <m:e>
                           <m:r>
-                            <a:rPr lang="en-US" altLang="zh-CN" sz="2005" b="0" i="1" smtClean="0">
+                            <a:rPr lang="en-US" altLang="zh-CN" sz="2005" i="1">
                               <a:latin typeface="Cambria Math" panose="02040503050406030204" pitchFamily="18" charset="0"/>
                               <a:cs typeface="Times New Roman" panose="02020603050405020304" pitchFamily="18" charset="0"/>
                             </a:rPr>
@@ -4991,7 +4991,7 @@
             </p:nvSpPr>
             <p:spPr>
               <a:xfrm>
-                <a:off x="4142977" y="4585569"/>
+                <a:off x="2831787" y="5166611"/>
                 <a:ext cx="1277934" cy="400879"/>
               </a:xfrm>
               <a:prstGeom prst="rect">
@@ -5033,8 +5033,8 @@
         </p:nvSpPr>
         <p:spPr>
           <a:xfrm>
-            <a:off x="250689" y="172612"/>
-            <a:ext cx="3246313" cy="1493440"/>
+            <a:off x="114300" y="172613"/>
+            <a:ext cx="2662771" cy="1493440"/>
           </a:xfrm>
           <a:prstGeom prst="wedgeEllipseCallout">
             <a:avLst>
@@ -5124,7 +5124,7 @@
         </p:nvGrpSpPr>
         <p:grpSpPr>
           <a:xfrm>
-            <a:off x="3007186" y="6078583"/>
+            <a:off x="1839369" y="6099102"/>
             <a:ext cx="1230577" cy="263590"/>
             <a:chOff x="4224774" y="2906207"/>
             <a:chExt cx="1230577" cy="263590"/>
@@ -5469,7 +5469,7 @@
         </p:nvGrpSpPr>
         <p:grpSpPr>
           <a:xfrm>
-            <a:off x="4267206" y="5007081"/>
+            <a:off x="3133932" y="5603079"/>
             <a:ext cx="1102434" cy="263590"/>
             <a:chOff x="2003206" y="7948530"/>
             <a:chExt cx="1102434" cy="263590"/>
@@ -5814,8 +5814,8 @@
         </p:nvSpPr>
         <p:spPr>
           <a:xfrm>
-            <a:off x="356693" y="4079489"/>
-            <a:ext cx="1609620" cy="369332"/>
+            <a:off x="219164" y="4079490"/>
+            <a:ext cx="1027217" cy="369332"/>
           </a:xfrm>
           <a:prstGeom prst="rect">
             <a:avLst/>
@@ -5872,8 +5872,8 @@
         </p:nvSpPr>
         <p:spPr>
           <a:xfrm>
-            <a:off x="4164518" y="3852872"/>
-            <a:ext cx="1583774" cy="369332"/>
+            <a:off x="3277574" y="4125360"/>
+            <a:ext cx="938255" cy="369332"/>
           </a:xfrm>
           <a:prstGeom prst="rect">
             <a:avLst/>
@@ -5930,8 +5930,8 @@
         </p:nvSpPr>
         <p:spPr>
           <a:xfrm>
-            <a:off x="550168" y="1841152"/>
-            <a:ext cx="2577842" cy="369332"/>
+            <a:off x="740883" y="1841153"/>
+            <a:ext cx="1667196" cy="369332"/>
           </a:xfrm>
           <a:prstGeom prst="rect">
             <a:avLst/>
@@ -5988,7 +5988,7 @@
         </p:nvSpPr>
         <p:spPr>
           <a:xfrm>
-            <a:off x="1760810" y="2959032"/>
+            <a:off x="1040879" y="2959033"/>
             <a:ext cx="1609620" cy="369332"/>
           </a:xfrm>
           <a:prstGeom prst="rect">
@@ -6047,7 +6047,7 @@
         </p:nvGrpSpPr>
         <p:grpSpPr>
           <a:xfrm>
-            <a:off x="3513321" y="1435155"/>
+            <a:off x="2793390" y="1435156"/>
             <a:ext cx="566771" cy="963654"/>
             <a:chOff x="469295" y="1919917"/>
             <a:chExt cx="2746991" cy="4670581"/>
@@ -8554,7 +8554,7 @@
         </p:nvSpPr>
         <p:spPr>
           <a:xfrm>
-            <a:off x="48714" y="6069358"/>
+            <a:off x="-318167" y="6138562"/>
             <a:ext cx="2396269" cy="646331"/>
           </a:xfrm>
           <a:prstGeom prst="rect">
@@ -8624,8 +8624,8 @@
         </p:nvSpPr>
         <p:spPr>
           <a:xfrm>
-            <a:off x="299723" y="921545"/>
-            <a:ext cx="3119169" cy="369332"/>
+            <a:off x="315092" y="883626"/>
+            <a:ext cx="2287304" cy="646331"/>
           </a:xfrm>
           <a:prstGeom prst="rect">
             <a:avLst/>
@@ -8641,14 +8641,27 @@
             <a:pPr algn="ctr"/>
             <a:r>
               <a:rPr lang="zh-CN" altLang="en-US" dirty="0">
-                <a:solidFill>
-                  <a:schemeClr val="tx1"/>
-                </a:solidFill>
                 <a:latin typeface="Times New Roman" panose="02020603050405020304" pitchFamily="18" charset="0"/>
                 <a:ea typeface="Songti TC" panose="02010600040101010101" pitchFamily="2" charset="-120"/>
                 <a:cs typeface="Times New Roman" panose="02020603050405020304" pitchFamily="18" charset="0"/>
               </a:rPr>
-              <a:t>物理交通要素的逻辑映射</a:t>
+              <a:t>物理交通要素的</a:t>
+            </a:r>
+            <a:endParaRPr lang="en-US" altLang="zh-CN" dirty="0">
+              <a:latin typeface="Times New Roman" panose="02020603050405020304" pitchFamily="18" charset="0"/>
+              <a:ea typeface="Songti TC" panose="02010600040101010101" pitchFamily="2" charset="-120"/>
+              <a:cs typeface="Times New Roman" panose="02020603050405020304" pitchFamily="18" charset="0"/>
+            </a:endParaRPr>
+          </a:p>
+          <a:p>
+            <a:pPr algn="ctr"/>
+            <a:r>
+              <a:rPr lang="zh-CN" altLang="en-US" dirty="0">
+                <a:latin typeface="Times New Roman" panose="02020603050405020304" pitchFamily="18" charset="0"/>
+                <a:ea typeface="Songti TC" panose="02010600040101010101" pitchFamily="2" charset="-120"/>
+                <a:cs typeface="Times New Roman" panose="02020603050405020304" pitchFamily="18" charset="0"/>
+              </a:rPr>
+              <a:t>逻辑映射</a:t>
             </a:r>
             <a:endParaRPr lang="en-CN" dirty="0">
               <a:latin typeface="Times New Roman" panose="02020603050405020304" pitchFamily="18" charset="0"/>
@@ -8672,10 +8685,10 @@
         </p:nvGrpSpPr>
         <p:grpSpPr>
           <a:xfrm flipV="1">
-            <a:off x="3278888" y="2391050"/>
-            <a:ext cx="1719235" cy="3219213"/>
-            <a:chOff x="7170983" y="5046764"/>
-            <a:chExt cx="1719235" cy="3219213"/>
+            <a:off x="2558957" y="2391051"/>
+            <a:ext cx="1277934" cy="3230054"/>
+            <a:chOff x="7170983" y="5035923"/>
+            <a:chExt cx="1277934" cy="3230054"/>
           </a:xfrm>
         </p:grpSpPr>
         <p:cxnSp>
@@ -8741,9 +8754,9 @@
             <p:nvPr/>
           </p:nvCxnSpPr>
           <p:spPr>
-            <a:xfrm flipH="1">
-              <a:off x="7710376" y="5046764"/>
-              <a:ext cx="53800" cy="3219213"/>
+            <a:xfrm>
+              <a:off x="7566982" y="5035923"/>
+              <a:ext cx="143394" cy="3230054"/>
             </a:xfrm>
             <a:prstGeom prst="straightConnector1">
               <a:avLst/>
@@ -8790,8 +8803,8 @@
           </p:nvCxnSpPr>
           <p:spPr>
             <a:xfrm flipH="1">
-              <a:off x="7932418" y="6045987"/>
-              <a:ext cx="957800" cy="2188591"/>
+              <a:off x="7932418" y="5446991"/>
+              <a:ext cx="516499" cy="2787587"/>
             </a:xfrm>
             <a:prstGeom prst="straightConnector1">
               <a:avLst/>
@@ -8835,8 +8848,8 @@
             <p:nvPr/>
           </p:nvSpPr>
           <p:spPr>
-            <a:xfrm rot="6409594">
-              <a:off x="7985762" y="7302992"/>
+            <a:xfrm rot="5890032">
+              <a:off x="7834154" y="7108984"/>
               <a:ext cx="611465" cy="229165"/>
             </a:xfrm>
             <a:prstGeom prst="rect">
@@ -8900,8 +8913,8 @@
             <p:nvPr/>
           </p:nvSpPr>
           <p:spPr>
-            <a:xfrm rot="16200000">
-              <a:off x="7381692" y="7089302"/>
+            <a:xfrm rot="16004750">
+              <a:off x="7296149" y="6974267"/>
               <a:ext cx="727942" cy="229165"/>
             </a:xfrm>
             <a:prstGeom prst="rect">
